--- a/presentaion.pptx
+++ b/presentaion.pptx
@@ -10,6 +10,7 @@
     <p:sldId id="258" r:id="rId4"/>
     <p:sldId id="259" r:id="rId5"/>
     <p:sldId id="260" r:id="rId6"/>
+    <p:sldId id="261" r:id="rId7"/>
   </p:sldIdLst>
   <p:sldSz cx="9144000" cy="6858000" type="screen4x3"/>
   <p:notesSz cx="6858000" cy="9144000"/>
@@ -305,7 +306,7 @@
           <a:p>
             <a:fld id="{8B3B5BC7-54FA-44F8-AF1A-326A51614B3E}" type="datetimeFigureOut">
               <a:rPr lang="en-US" smtClean="0"/>
-              <a:t>8/25/2022</a:t>
+              <a:t>8/26/2022</a:t>
             </a:fld>
             <a:endParaRPr lang="en-US"/>
           </a:p>
@@ -470,7 +471,7 @@
           <a:p>
             <a:fld id="{8B3B5BC7-54FA-44F8-AF1A-326A51614B3E}" type="datetimeFigureOut">
               <a:rPr lang="en-US" smtClean="0"/>
-              <a:t>8/25/2022</a:t>
+              <a:t>8/26/2022</a:t>
             </a:fld>
             <a:endParaRPr lang="en-US"/>
           </a:p>
@@ -645,7 +646,7 @@
           <a:p>
             <a:fld id="{8B3B5BC7-54FA-44F8-AF1A-326A51614B3E}" type="datetimeFigureOut">
               <a:rPr lang="en-US" smtClean="0"/>
-              <a:t>8/25/2022</a:t>
+              <a:t>8/26/2022</a:t>
             </a:fld>
             <a:endParaRPr lang="en-US"/>
           </a:p>
@@ -810,7 +811,7 @@
           <a:p>
             <a:fld id="{8B3B5BC7-54FA-44F8-AF1A-326A51614B3E}" type="datetimeFigureOut">
               <a:rPr lang="en-US" smtClean="0"/>
-              <a:t>8/25/2022</a:t>
+              <a:t>8/26/2022</a:t>
             </a:fld>
             <a:endParaRPr lang="en-US"/>
           </a:p>
@@ -1051,7 +1052,7 @@
           <a:p>
             <a:fld id="{8B3B5BC7-54FA-44F8-AF1A-326A51614B3E}" type="datetimeFigureOut">
               <a:rPr lang="en-US" smtClean="0"/>
-              <a:t>8/25/2022</a:t>
+              <a:t>8/26/2022</a:t>
             </a:fld>
             <a:endParaRPr lang="en-US"/>
           </a:p>
@@ -1334,7 +1335,7 @@
           <a:p>
             <a:fld id="{8B3B5BC7-54FA-44F8-AF1A-326A51614B3E}" type="datetimeFigureOut">
               <a:rPr lang="en-US" smtClean="0"/>
-              <a:t>8/25/2022</a:t>
+              <a:t>8/26/2022</a:t>
             </a:fld>
             <a:endParaRPr lang="en-US"/>
           </a:p>
@@ -1763,7 +1764,7 @@
           <a:p>
             <a:fld id="{8B3B5BC7-54FA-44F8-AF1A-326A51614B3E}" type="datetimeFigureOut">
               <a:rPr lang="en-US" smtClean="0"/>
-              <a:t>8/25/2022</a:t>
+              <a:t>8/26/2022</a:t>
             </a:fld>
             <a:endParaRPr lang="en-US"/>
           </a:p>
@@ -1876,7 +1877,7 @@
           <a:p>
             <a:fld id="{8B3B5BC7-54FA-44F8-AF1A-326A51614B3E}" type="datetimeFigureOut">
               <a:rPr lang="en-US" smtClean="0"/>
-              <a:t>8/25/2022</a:t>
+              <a:t>8/26/2022</a:t>
             </a:fld>
             <a:endParaRPr lang="en-US"/>
           </a:p>
@@ -1966,7 +1967,7 @@
           <a:p>
             <a:fld id="{8B3B5BC7-54FA-44F8-AF1A-326A51614B3E}" type="datetimeFigureOut">
               <a:rPr lang="en-US" smtClean="0"/>
-              <a:t>8/25/2022</a:t>
+              <a:t>8/26/2022</a:t>
             </a:fld>
             <a:endParaRPr lang="en-US"/>
           </a:p>
@@ -2155,7 +2156,7 @@
           <a:p>
             <a:fld id="{8B3B5BC7-54FA-44F8-AF1A-326A51614B3E}" type="datetimeFigureOut">
               <a:rPr lang="en-US" smtClean="0"/>
-              <a:t>8/25/2022</a:t>
+              <a:t>8/26/2022</a:t>
             </a:fld>
             <a:endParaRPr lang="en-US"/>
           </a:p>
@@ -2473,7 +2474,7 @@
           <a:p>
             <a:fld id="{8B3B5BC7-54FA-44F8-AF1A-326A51614B3E}" type="datetimeFigureOut">
               <a:rPr lang="en-US" smtClean="0"/>
-              <a:t>8/25/2022</a:t>
+              <a:t>8/26/2022</a:t>
             </a:fld>
             <a:endParaRPr lang="en-US"/>
           </a:p>
@@ -2852,7 +2853,7 @@
           <a:p>
             <a:fld id="{8B3B5BC7-54FA-44F8-AF1A-326A51614B3E}" type="datetimeFigureOut">
               <a:rPr lang="en-US" smtClean="0"/>
-              <a:t>8/25/2022</a:t>
+              <a:t>8/26/2022</a:t>
             </a:fld>
             <a:endParaRPr lang="en-US"/>
           </a:p>
@@ -3810,6 +3811,119 @@
 </p:sld>
 </file>
 
+<file path=ppt/slides/slide6.xml><?xml version="1.0" encoding="utf-8"?>
+<p:sld xmlns:a="http://schemas.openxmlformats.org/drawingml/2006/main" xmlns:r="http://schemas.openxmlformats.org/officeDocument/2006/relationships" xmlns:p="http://schemas.openxmlformats.org/presentationml/2006/main">
+  <p:cSld>
+    <p:spTree>
+      <p:nvGrpSpPr>
+        <p:cNvPr id="1" name=""/>
+        <p:cNvGrpSpPr/>
+        <p:nvPr/>
+      </p:nvGrpSpPr>
+      <p:grpSpPr>
+        <a:xfrm>
+          <a:off x="0" y="0"/>
+          <a:ext cx="0" cy="0"/>
+          <a:chOff x="0" y="0"/>
+          <a:chExt cx="0" cy="0"/>
+        </a:xfrm>
+      </p:grpSpPr>
+      <p:sp>
+        <p:nvSpPr>
+          <p:cNvPr id="2" name="Title 1"/>
+          <p:cNvSpPr>
+            <a:spLocks noGrp="1"/>
+          </p:cNvSpPr>
+          <p:nvPr>
+            <p:ph type="title"/>
+          </p:nvPr>
+        </p:nvSpPr>
+        <p:spPr>
+          <a:xfrm>
+            <a:off x="381000" y="533400"/>
+            <a:ext cx="7620000" cy="1143000"/>
+          </a:xfrm>
+        </p:spPr>
+        <p:txBody>
+          <a:bodyPr/>
+          <a:lstStyle/>
+          <a:p>
+            <a:r>
+              <a:rPr lang="en-US" sz="1800" b="1" dirty="0"/>
+              <a:t>Why Is Translation Important?</a:t>
+            </a:r>
+            <a:br>
+              <a:rPr lang="en-US" sz="1800" b="1" dirty="0"/>
+            </a:br>
+            <a:r>
+              <a:rPr lang="en-US" sz="1800" i="1" dirty="0"/>
+              <a:t>If the decision-makers in your company can't understand why something is important or adds value, they might not approve it. This usually isn't because they're ignorant or trying to be difficult, this is often because they don't understand how the technical changes translate into benefits for the company. Using language they understand will make everyone's lives better and easier!</a:t>
+            </a:r>
+            <a:r>
+              <a:rPr lang="en-US" sz="1800" dirty="0"/>
+              <a:t/>
+            </a:r>
+            <a:br>
+              <a:rPr lang="en-US" sz="1800" dirty="0"/>
+            </a:br>
+            <a:endParaRPr lang="en-US" sz="1800" dirty="0"/>
+          </a:p>
+        </p:txBody>
+      </p:sp>
+      <p:pic>
+        <p:nvPicPr>
+          <p:cNvPr id="1026" name="Picture 2" descr="C:\Users\system32\Desktop\Untitled.png"/>
+          <p:cNvPicPr>
+            <a:picLocks noChangeAspect="1" noChangeArrowheads="1"/>
+          </p:cNvPicPr>
+          <p:nvPr/>
+        </p:nvPicPr>
+        <p:blipFill>
+          <a:blip r:embed="rId2">
+            <a:extLst>
+              <a:ext uri="{28A0092B-C50C-407E-A947-70E740481C1C}">
+                <a14:useLocalDpi xmlns:a14="http://schemas.microsoft.com/office/drawing/2010/main" val="0"/>
+              </a:ext>
+            </a:extLst>
+          </a:blip>
+          <a:srcRect/>
+          <a:stretch>
+            <a:fillRect/>
+          </a:stretch>
+        </p:blipFill>
+        <p:spPr bwMode="auto">
+          <a:xfrm>
+            <a:off x="304799" y="1876298"/>
+            <a:ext cx="7834745" cy="4981702"/>
+          </a:xfrm>
+          <a:prstGeom prst="rect">
+            <a:avLst/>
+          </a:prstGeom>
+          <a:noFill/>
+          <a:extLst>
+            <a:ext uri="{909E8E84-426E-40DD-AFC4-6F175D3DCCD1}">
+              <a14:hiddenFill xmlns:a14="http://schemas.microsoft.com/office/drawing/2010/main">
+                <a:solidFill>
+                  <a:srgbClr val="FFFFFF"/>
+                </a:solidFill>
+              </a14:hiddenFill>
+            </a:ext>
+          </a:extLst>
+        </p:spPr>
+      </p:pic>
+    </p:spTree>
+    <p:extLst>
+      <p:ext uri="{BB962C8B-B14F-4D97-AF65-F5344CB8AC3E}">
+        <p14:creationId xmlns:p14="http://schemas.microsoft.com/office/powerpoint/2010/main" val="3380958871"/>
+      </p:ext>
+    </p:extLst>
+  </p:cSld>
+  <p:clrMapOvr>
+    <a:masterClrMapping/>
+  </p:clrMapOvr>
+</p:sld>
+</file>
+
 <file path=ppt/theme/theme1.xml><?xml version="1.0" encoding="utf-8"?>
 <a:theme xmlns:a="http://schemas.openxmlformats.org/drawingml/2006/main" name="Adjacency">
   <a:themeElements>
